--- a/docs/source/decision_tree/slides/dt_introduction.pptx
+++ b/docs/source/decision_tree/slides/dt_introduction.pptx
@@ -110,6 +110,11 @@
       </a:defRPr>
     </a:lvl9pPr>
   </p:defaultTextStyle>
+  <p:extLst>
+    <p:ext uri="{EFAFB233-063F-42B5-8137-9DF3F51BA10A}">
+      <p15:sldGuideLst xmlns:p15="http://schemas.microsoft.com/office/powerpoint/2012/main"/>
+    </p:ext>
+  </p:extLst>
 </p:presentation>
 </file>
 
@@ -262,7 +267,7 @@
           <a:p>
             <a:fld id="{E9D81FE4-95D1-4D04-A2EA-B79A853D3C11}" type="datetimeFigureOut">
               <a:rPr lang="en-NZ" smtClean="0"/>
-              <a:t>4/06/2022</a:t>
+              <a:t>31/05/2025</a:t>
             </a:fld>
             <a:endParaRPr lang="en-NZ"/>
           </a:p>
@@ -462,7 +467,7 @@
           <a:p>
             <a:fld id="{E9D81FE4-95D1-4D04-A2EA-B79A853D3C11}" type="datetimeFigureOut">
               <a:rPr lang="en-NZ" smtClean="0"/>
-              <a:t>4/06/2022</a:t>
+              <a:t>31/05/2025</a:t>
             </a:fld>
             <a:endParaRPr lang="en-NZ"/>
           </a:p>
@@ -672,7 +677,7 @@
           <a:p>
             <a:fld id="{E9D81FE4-95D1-4D04-A2EA-B79A853D3C11}" type="datetimeFigureOut">
               <a:rPr lang="en-NZ" smtClean="0"/>
-              <a:t>4/06/2022</a:t>
+              <a:t>31/05/2025</a:t>
             </a:fld>
             <a:endParaRPr lang="en-NZ"/>
           </a:p>
@@ -974,7 +979,7 @@
           <a:p>
             <a:fld id="{E9D81FE4-95D1-4D04-A2EA-B79A853D3C11}" type="datetimeFigureOut">
               <a:rPr lang="en-NZ" smtClean="0"/>
-              <a:t>4/06/2022</a:t>
+              <a:t>31/05/2025</a:t>
             </a:fld>
             <a:endParaRPr lang="en-NZ"/>
           </a:p>
@@ -1250,7 +1255,7 @@
           <a:p>
             <a:fld id="{E9D81FE4-95D1-4D04-A2EA-B79A853D3C11}" type="datetimeFigureOut">
               <a:rPr lang="en-NZ" smtClean="0"/>
-              <a:t>4/06/2022</a:t>
+              <a:t>31/05/2025</a:t>
             </a:fld>
             <a:endParaRPr lang="en-NZ"/>
           </a:p>
@@ -1518,7 +1523,7 @@
           <a:p>
             <a:fld id="{E9D81FE4-95D1-4D04-A2EA-B79A853D3C11}" type="datetimeFigureOut">
               <a:rPr lang="en-NZ" smtClean="0"/>
-              <a:t>4/06/2022</a:t>
+              <a:t>31/05/2025</a:t>
             </a:fld>
             <a:endParaRPr lang="en-NZ"/>
           </a:p>
@@ -1933,7 +1938,7 @@
           <a:p>
             <a:fld id="{E9D81FE4-95D1-4D04-A2EA-B79A853D3C11}" type="datetimeFigureOut">
               <a:rPr lang="en-NZ" smtClean="0"/>
-              <a:t>4/06/2022</a:t>
+              <a:t>31/05/2025</a:t>
             </a:fld>
             <a:endParaRPr lang="en-NZ"/>
           </a:p>
@@ -2075,7 +2080,7 @@
           <a:p>
             <a:fld id="{E9D81FE4-95D1-4D04-A2EA-B79A853D3C11}" type="datetimeFigureOut">
               <a:rPr lang="en-NZ" smtClean="0"/>
-              <a:t>4/06/2022</a:t>
+              <a:t>31/05/2025</a:t>
             </a:fld>
             <a:endParaRPr lang="en-NZ"/>
           </a:p>
@@ -2188,7 +2193,7 @@
           <a:p>
             <a:fld id="{E9D81FE4-95D1-4D04-A2EA-B79A853D3C11}" type="datetimeFigureOut">
               <a:rPr lang="en-NZ" smtClean="0"/>
-              <a:t>4/06/2022</a:t>
+              <a:t>31/05/2025</a:t>
             </a:fld>
             <a:endParaRPr lang="en-NZ"/>
           </a:p>
@@ -2501,7 +2506,7 @@
           <a:p>
             <a:fld id="{E9D81FE4-95D1-4D04-A2EA-B79A853D3C11}" type="datetimeFigureOut">
               <a:rPr lang="en-NZ" smtClean="0"/>
-              <a:t>4/06/2022</a:t>
+              <a:t>31/05/2025</a:t>
             </a:fld>
             <a:endParaRPr lang="en-NZ"/>
           </a:p>
@@ -2790,7 +2795,7 @@
           <a:p>
             <a:fld id="{E9D81FE4-95D1-4D04-A2EA-B79A853D3C11}" type="datetimeFigureOut">
               <a:rPr lang="en-NZ" smtClean="0"/>
-              <a:t>4/06/2022</a:t>
+              <a:t>31/05/2025</a:t>
             </a:fld>
             <a:endParaRPr lang="en-NZ"/>
           </a:p>
@@ -3033,7 +3038,7 @@
           <a:p>
             <a:fld id="{E9D81FE4-95D1-4D04-A2EA-B79A853D3C11}" type="datetimeFigureOut">
               <a:rPr lang="en-NZ" smtClean="0"/>
-              <a:t>4/06/2022</a:t>
+              <a:t>31/05/2025</a:t>
             </a:fld>
             <a:endParaRPr lang="en-NZ"/>
           </a:p>
@@ -4151,7 +4156,10 @@
             <a:avLst/>
           </a:prstGeom>
           <a:solidFill>
-            <a:srgbClr val="92D050"/>
+            <a:schemeClr val="accent5">
+              <a:lumMod val="20000"/>
+              <a:lumOff val="80000"/>
+            </a:schemeClr>
           </a:solidFill>
           <a:ln>
             <a:noFill/>
@@ -4371,7 +4379,10 @@
             <a:avLst/>
           </a:prstGeom>
           <a:solidFill>
-            <a:srgbClr val="92D050"/>
+            <a:schemeClr val="accent5">
+              <a:lumMod val="20000"/>
+              <a:lumOff val="80000"/>
+            </a:schemeClr>
           </a:solidFill>
           <a:ln>
             <a:noFill/>
@@ -4430,7 +4441,10 @@
             <a:avLst/>
           </a:prstGeom>
           <a:solidFill>
-            <a:srgbClr val="92D050"/>
+            <a:schemeClr val="accent5">
+              <a:lumMod val="20000"/>
+              <a:lumOff val="80000"/>
+            </a:schemeClr>
           </a:solidFill>
           <a:ln>
             <a:noFill/>
